--- a/lectures/lecture-25/Lecture_25_EDA.pptx
+++ b/lectures/lecture-25/Lecture_25_EDA.pptx
@@ -7947,12 +7947,12 @@
           <a:lstStyle/>
           <a:p>
             <a:r>
-              <a:rPr lang="en-US" dirty="0"/>
+              <a:rPr lang="en-US"/>
               <a:t>Lecture </a:t>
             </a:r>
             <a:r>
-              <a:rPr lang="en-US" dirty="0" smtClean="0"/>
-              <a:t>24: </a:t>
+              <a:rPr lang="en-US" smtClean="0"/>
+              <a:t>25: </a:t>
             </a:r>
             <a:r>
               <a:rPr lang="en-US" dirty="0" smtClean="0"/>
